--- a/沙盒.pptx
+++ b/沙盒.pptx
@@ -7413,42 +7413,97 @@
       </p:sp>
       <p:sp>
         <p:nvSpPr>
-          <p:cNvPr id="14" name="矩形 13"/>
-          <p:cNvSpPr/>
+          <p:cNvPr id="2" name="TextBox 76"/>
+          <p:cNvSpPr txBox="1"/>
           <p:nvPr/>
         </p:nvSpPr>
         <p:spPr>
           <a:xfrm>
-            <a:off x="5059906" y="3198385"/>
-            <a:ext cx="1312545" cy="583565"/>
+            <a:off x="3863340" y="2703830"/>
+            <a:ext cx="5605780" cy="583565"/>
           </a:xfrm>
           <a:prstGeom prst="rect">
             <a:avLst/>
           </a:prstGeom>
+          <a:noFill/>
+          <a:ln>
+            <a:noFill/>
+          </a:ln>
         </p:spPr>
         <p:txBody>
-          <a:bodyPr wrap="none">
+          <a:bodyPr wrap="square" rtlCol="0">
             <a:spAutoFit/>
           </a:bodyPr>
           <a:p>
-            <a:pPr algn="ctr">
-              <a:spcBef>
-                <a:spcPct val="0"/>
-              </a:spcBef>
-            </a:pPr>
+            <a:pPr algn="l"/>
             <a:r>
-              <a:rPr lang="en-US" altLang="zh-CN" sz="3200" b="1" dirty="0">
-                <a:solidFill>
-                  <a:schemeClr val="bg1"/>
+              <a:rPr lang="en-US" altLang="zh-CN" sz="3200" dirty="0">
+                <a:solidFill>
+                  <a:srgbClr val="EF5350"/>
                 </a:solidFill>
                 <a:cs typeface="+mn-ea"/>
                 <a:sym typeface="+mn-lt"/>
               </a:rPr>
-              <a:t>Proxy</a:t>
+              <a:t>window</a:t>
             </a:r>
-            <a:endParaRPr lang="en-US" altLang="zh-CN" sz="3200" b="1" dirty="0">
+            <a:r>
+              <a:rPr lang="zh-CN" altLang="en-US" sz="3200" dirty="0">
+                <a:solidFill>
+                  <a:srgbClr val="EF5350"/>
+                </a:solidFill>
+                <a:cs typeface="+mn-ea"/>
+                <a:sym typeface="+mn-lt"/>
+              </a:rPr>
+              <a:t>上的事件怎么处理？</a:t>
+            </a:r>
+            <a:endParaRPr lang="zh-CN" altLang="en-US" sz="3200" dirty="0">
               <a:solidFill>
-                <a:schemeClr val="bg1"/>
+                <a:srgbClr val="EF5350"/>
+              </a:solidFill>
+              <a:cs typeface="+mn-ea"/>
+              <a:sym typeface="+mn-lt"/>
+            </a:endParaRPr>
+          </a:p>
+        </p:txBody>
+      </p:sp>
+      <p:sp>
+        <p:nvSpPr>
+          <p:cNvPr id="3" name="TextBox 76"/>
+          <p:cNvSpPr txBox="1"/>
+          <p:nvPr/>
+        </p:nvSpPr>
+        <p:spPr>
+          <a:xfrm>
+            <a:off x="3863340" y="3799205"/>
+            <a:ext cx="5605780" cy="583565"/>
+          </a:xfrm>
+          <a:prstGeom prst="rect">
+            <a:avLst/>
+          </a:prstGeom>
+          <a:noFill/>
+          <a:ln>
+            <a:noFill/>
+          </a:ln>
+        </p:spPr>
+        <p:txBody>
+          <a:bodyPr wrap="square" rtlCol="0">
+            <a:spAutoFit/>
+          </a:bodyPr>
+          <a:p>
+            <a:pPr algn="l"/>
+            <a:r>
+              <a:rPr lang="zh-CN" altLang="en-US" sz="3200" dirty="0">
+                <a:solidFill>
+                  <a:srgbClr val="EF5350"/>
+                </a:solidFill>
+                <a:cs typeface="+mn-ea"/>
+                <a:sym typeface="+mn-lt"/>
+              </a:rPr>
+              <a:t>全局定时器怎么处理？</a:t>
+            </a:r>
+            <a:endParaRPr lang="zh-CN" altLang="en-US" sz="3200" dirty="0">
+              <a:solidFill>
+                <a:srgbClr val="EF5350"/>
               </a:solidFill>
               <a:cs typeface="+mn-ea"/>
               <a:sym typeface="+mn-lt"/>
@@ -7465,126 +7520,9 @@
   <p:timing>
     <p:tnLst>
       <p:par>
-        <p:cTn id="1" dur="indefinite" restart="never" nodeType="tmRoot">
-          <p:childTnLst>
-            <p:seq concurrent="1" nextAc="seek">
-              <p:cTn id="2" dur="indefinite" nodeType="mainSeq">
-                <p:childTnLst>
-                  <p:par>
-                    <p:cTn id="3" fill="hold">
-                      <p:stCondLst>
-                        <p:cond delay="indefinite"/>
-                      </p:stCondLst>
-                      <p:childTnLst>
-                        <p:par>
-                          <p:cTn id="4" fill="hold">
-                            <p:stCondLst>
-                              <p:cond delay="0"/>
-                            </p:stCondLst>
-                            <p:childTnLst>
-                              <p:par>
-                                <p:cTn id="5" presetID="2" presetClass="entr" presetSubtype="4" fill="hold" grpId="0" nodeType="clickEffect">
-                                  <p:stCondLst>
-                                    <p:cond delay="0"/>
-                                  </p:stCondLst>
-                                  <p:childTnLst>
-                                    <p:set>
-                                      <p:cBhvr>
-                                        <p:cTn id="6" dur="1" fill="hold">
-                                          <p:stCondLst>
-                                            <p:cond delay="0"/>
-                                          </p:stCondLst>
-                                        </p:cTn>
-                                        <p:tgtEl>
-                                          <p:spTgt spid="14"/>
-                                        </p:tgtEl>
-                                        <p:attrNameLst>
-                                          <p:attrName>style.visibility</p:attrName>
-                                        </p:attrNameLst>
-                                      </p:cBhvr>
-                                      <p:to>
-                                        <p:strVal val="visible"/>
-                                      </p:to>
-                                    </p:set>
-                                    <p:anim calcmode="lin" valueType="num">
-                                      <p:cBhvr additive="base">
-                                        <p:cTn id="7" dur="500" fill="hold"/>
-                                        <p:tgtEl>
-                                          <p:spTgt spid="14"/>
-                                        </p:tgtEl>
-                                        <p:attrNameLst>
-                                          <p:attrName>ppt_x</p:attrName>
-                                        </p:attrNameLst>
-                                      </p:cBhvr>
-                                      <p:tavLst>
-                                        <p:tav tm="0">
-                                          <p:val>
-                                            <p:strVal val="#ppt_x"/>
-                                          </p:val>
-                                        </p:tav>
-                                        <p:tav tm="100000">
-                                          <p:val>
-                                            <p:strVal val="#ppt_x"/>
-                                          </p:val>
-                                        </p:tav>
-                                      </p:tavLst>
-                                    </p:anim>
-                                    <p:anim calcmode="lin" valueType="num">
-                                      <p:cBhvr additive="base">
-                                        <p:cTn id="8" dur="500" fill="hold"/>
-                                        <p:tgtEl>
-                                          <p:spTgt spid="14"/>
-                                        </p:tgtEl>
-                                        <p:attrNameLst>
-                                          <p:attrName>ppt_y</p:attrName>
-                                        </p:attrNameLst>
-                                      </p:cBhvr>
-                                      <p:tavLst>
-                                        <p:tav tm="0">
-                                          <p:val>
-                                            <p:strVal val="1+#ppt_h/2"/>
-                                          </p:val>
-                                        </p:tav>
-                                        <p:tav tm="100000">
-                                          <p:val>
-                                            <p:strVal val="#ppt_y"/>
-                                          </p:val>
-                                        </p:tav>
-                                      </p:tavLst>
-                                    </p:anim>
-                                  </p:childTnLst>
-                                </p:cTn>
-                              </p:par>
-                            </p:childTnLst>
-                          </p:cTn>
-                        </p:par>
-                      </p:childTnLst>
-                    </p:cTn>
-                  </p:par>
-                </p:childTnLst>
-              </p:cTn>
-              <p:prevCondLst>
-                <p:cond evt="onPrev" delay="0">
-                  <p:tgtEl>
-                    <p:sldTgt/>
-                  </p:tgtEl>
-                </p:cond>
-              </p:prevCondLst>
-              <p:nextCondLst>
-                <p:cond evt="onNext" delay="0">
-                  <p:tgtEl>
-                    <p:sldTgt/>
-                  </p:tgtEl>
-                </p:cond>
-              </p:nextCondLst>
-            </p:seq>
-          </p:childTnLst>
-        </p:cTn>
+        <p:cTn id="1" dur="indefinite" restart="never" nodeType="tmRoot"/>
       </p:par>
     </p:tnLst>
-    <p:bldLst>
-      <p:bldP spid="14" grpId="0"/>
-    </p:bldLst>
   </p:timing>
 </p:sld>
 </file>
